--- a/session_04/Session_04-Spring_Data.pptx
+++ b/session_04/Session_04-Spring_Data.pptx
@@ -6688,15 +6688,23 @@
           <a:p>
             <a:r>
               <a:rPr lang="en-US" sz="1800" dirty="0"/>
-              <a:t>The path is derived from the </a:t>
-            </a:r>
-            <a:r>
-              <a:rPr lang="en-US" sz="1800" dirty="0" err="1"/>
-              <a:t>uncapitalized</a:t>
+              <a:t>The path is derived from </a:t>
+            </a:r>
+            <a:r>
+              <a:rPr lang="en-US" sz="1800"/>
+              <a:t>the </a:t>
+            </a:r>
+            <a:r>
+              <a:rPr lang="en-US" sz="1800" smtClean="0"/>
+              <a:t>un-capitalized</a:t>
+            </a:r>
+            <a:r>
+              <a:rPr lang="en-US" sz="1800" dirty="0" smtClean="0"/>
+              <a:t>, </a:t>
             </a:r>
             <a:r>
               <a:rPr lang="en-US" sz="1800" dirty="0"/>
-              <a:t>, pluralized, simple class name of the domain class being managed.</a:t>
+              <a:t>pluralized, simple class name of the domain class being managed.</a:t>
             </a:r>
           </a:p>
           <a:p>

--- a/session_04/Session_04-Spring_Data.pptx
+++ b/session_04/Session_04-Spring_Data.pptx
@@ -11,7 +11,7 @@
     <p:handoutMasterId r:id="rId21"/>
   </p:handoutMasterIdLst>
   <p:sldIdLst>
-    <p:sldId id="309" r:id="rId2"/>
+    <p:sldId id="726" r:id="rId2"/>
     <p:sldId id="710" r:id="rId3"/>
     <p:sldId id="711" r:id="rId4"/>
     <p:sldId id="712" r:id="rId5"/>
@@ -670,8 +670,8 @@
         </p:nvSpPr>
         <p:spPr>
           <a:xfrm>
-            <a:off x="1628775" y="692150"/>
-            <a:ext cx="3733800" cy="2100263"/>
+            <a:off x="393700" y="692150"/>
+            <a:ext cx="6146800" cy="3457575"/>
           </a:xfrm>
         </p:spPr>
       </p:sp>
@@ -687,33 +687,81 @@
         </p:nvSpPr>
         <p:spPr/>
         <p:txBody>
-          <a:bodyPr>
-            <a:normAutofit/>
-          </a:bodyPr>
+          <a:bodyPr/>
           <a:lstStyle/>
           <a:p>
-            <a:pPr marL="0" marR="0" indent="0" algn="l" defTabSz="914400" rtl="0" eaLnBrk="1" fontAlgn="auto" latinLnBrk="0" hangingPunct="1">
-              <a:lnSpc>
-                <a:spcPct val="100000"/>
-              </a:lnSpc>
-              <a:spcBef>
-                <a:spcPts val="1200"/>
-              </a:spcBef>
-              <a:spcAft>
+            <a:pPr>
+              <a:spcBef>
                 <a:spcPts val="0"/>
-              </a:spcAft>
-              <a:buClrTx/>
-              <a:buSzTx/>
-              <a:buFont typeface="Arial" pitchFamily="34" charset="0"/>
-              <a:buNone/>
-              <a:tabLst/>
-              <a:defRPr/>
+              </a:spcBef>
+              <a:buClr>
+                <a:schemeClr val="dk1"/>
+              </a:buClr>
+              <a:buSzPct val="25000"/>
             </a:pPr>
-            <a:endParaRPr lang="en-US" dirty="0"/>
+            <a:r>
+              <a:rPr lang="en-US" sz="1200" dirty="0">
+                <a:solidFill>
+                  <a:schemeClr val="dk1"/>
+                </a:solidFill>
+                <a:latin typeface="Verdana"/>
+                <a:ea typeface="Verdana"/>
+                <a:cs typeface="Verdana"/>
+                <a:sym typeface="Verdana"/>
+              </a:rPr>
+              <a:t>Cloud native applications, and bringing microservice architectures into production in the enterprise.</a:t>
+            </a:r>
+          </a:p>
+        </p:txBody>
+      </p:sp>
+      <p:sp>
+        <p:nvSpPr>
+          <p:cNvPr id="4" name="Slide Number Placeholder 3"/>
+          <p:cNvSpPr>
+            <a:spLocks noGrp="1"/>
+          </p:cNvSpPr>
+          <p:nvPr>
+            <p:ph type="sldNum" sz="quarter" idx="10"/>
+          </p:nvPr>
+        </p:nvSpPr>
+        <p:spPr>
+          <a:xfrm>
+            <a:off x="3927775" y="8757590"/>
+            <a:ext cx="3004820" cy="461010"/>
+          </a:xfrm>
+          <a:prstGeom prst="rect">
+            <a:avLst/>
+          </a:prstGeom>
+        </p:spPr>
+        <p:txBody>
+          <a:bodyPr lIns="92309" tIns="46154" rIns="92309" bIns="46154"/>
+          <a:lstStyle/>
+          <a:p>
+            <a:fld id="{9BEDBE90-FDBE-A44D-9062-5A5D1585D5B8}" type="slidenum">
+              <a:rPr lang="en-US" smtClean="0">
+                <a:solidFill>
+                  <a:prstClr val="black"/>
+                </a:solidFill>
+                <a:latin typeface="Calibri"/>
+              </a:rPr>
+              <a:pPr/>
+              <a:t>1</a:t>
+            </a:fld>
+            <a:endParaRPr lang="en-US">
+              <a:solidFill>
+                <a:prstClr val="black"/>
+              </a:solidFill>
+              <a:latin typeface="Calibri"/>
+            </a:endParaRPr>
           </a:p>
         </p:txBody>
       </p:sp>
     </p:spTree>
+    <p:extLst>
+      <p:ext uri="{BB962C8B-B14F-4D97-AF65-F5344CB8AC3E}">
+        <p14:creationId xmlns:p14="http://schemas.microsoft.com/office/powerpoint/2010/main" val="4023181885"/>
+      </p:ext>
+    </p:extLst>
   </p:cSld>
   <p:clrMapOvr>
     <a:masterClrMapping/>
@@ -3215,6 +3263,93 @@
 </p:sldLayout>
 </file>
 
+<file path=ppt/slideLayouts/slideLayout17.xml><?xml version="1.0" encoding="utf-8"?>
+<p:sldLayout xmlns:a="http://schemas.openxmlformats.org/drawingml/2006/main" xmlns:r="http://schemas.openxmlformats.org/officeDocument/2006/relationships" xmlns:p="http://schemas.openxmlformats.org/presentationml/2006/main" userDrawn="1">
+  <p:cSld name=" Blank logo">
+    <p:spTree>
+      <p:nvGrpSpPr>
+        <p:cNvPr id="1" name=""/>
+        <p:cNvGrpSpPr/>
+        <p:nvPr/>
+      </p:nvGrpSpPr>
+      <p:grpSpPr>
+        <a:xfrm>
+          <a:off x="0" y="0"/>
+          <a:ext cx="0" cy="0"/>
+          <a:chOff x="0" y="0"/>
+          <a:chExt cx="0" cy="0"/>
+        </a:xfrm>
+      </p:grpSpPr>
+      <p:sp>
+        <p:nvSpPr>
+          <p:cNvPr id="5" name="Slide Number Placeholder 5"/>
+          <p:cNvSpPr>
+            <a:spLocks noGrp="1"/>
+          </p:cNvSpPr>
+          <p:nvPr>
+            <p:ph type="sldNum" sz="quarter" idx="12"/>
+          </p:nvPr>
+        </p:nvSpPr>
+        <p:spPr>
+          <a:xfrm>
+            <a:off x="48247" y="4861463"/>
+            <a:ext cx="373338" cy="273844"/>
+          </a:xfrm>
+          <a:prstGeom prst="rect">
+            <a:avLst/>
+          </a:prstGeom>
+        </p:spPr>
+        <p:txBody>
+          <a:bodyPr/>
+          <a:lstStyle>
+            <a:lvl1pPr>
+              <a:defRPr sz="900">
+                <a:solidFill>
+                  <a:schemeClr val="bg1">
+                    <a:lumMod val="65000"/>
+                  </a:schemeClr>
+                </a:solidFill>
+              </a:defRPr>
+            </a:lvl1pPr>
+          </a:lstStyle>
+          <a:p>
+            <a:fld id="{ADA07C09-8A41-3B46-A636-3955072BBB4F}" type="slidenum">
+              <a:rPr lang="en-US" smtClean="0"/>
+              <a:pPr/>
+              <a:t>‹#›</a:t>
+            </a:fld>
+            <a:endParaRPr lang="en-US"/>
+          </a:p>
+        </p:txBody>
+      </p:sp>
+    </p:spTree>
+    <p:extLst>
+      <p:ext uri="{BB962C8B-B14F-4D97-AF65-F5344CB8AC3E}">
+        <p14:creationId xmlns:p14="http://schemas.microsoft.com/office/powerpoint/2010/main" val="3105031699"/>
+      </p:ext>
+    </p:extLst>
+  </p:cSld>
+  <p:clrMapOvr>
+    <a:masterClrMapping/>
+  </p:clrMapOvr>
+  <mc:AlternateContent xmlns:mc="http://schemas.openxmlformats.org/markup-compatibility/2006" xmlns:p14="http://schemas.microsoft.com/office/powerpoint/2010/main">
+    <mc:Choice Requires="p14">
+      <p:transition p14:dur="0"/>
+    </mc:Choice>
+    <mc:Fallback xmlns="">
+      <p:transition xmlns:p14="http://schemas.microsoft.com/office/powerpoint/2010/main"/>
+    </mc:Fallback>
+  </mc:AlternateContent>
+  <p:timing>
+    <p:tnLst>
+      <p:par>
+        <p:cTn xmlns:p14="http://schemas.microsoft.com/office/powerpoint/2010/main" id="1" dur="indefinite" restart="never" nodeType="tmRoot"/>
+      </p:par>
+    </p:tnLst>
+  </p:timing>
+</p:sldLayout>
+</file>
+
 <file path=ppt/slideLayouts/slideLayout2.xml><?xml version="1.0" encoding="utf-8"?>
 <p:sldLayout xmlns:a="http://schemas.openxmlformats.org/drawingml/2006/main" xmlns:r="http://schemas.openxmlformats.org/officeDocument/2006/relationships" xmlns:p="http://schemas.openxmlformats.org/presentationml/2006/main" preserve="1" userDrawn="1">
   <p:cSld name="Divider">
@@ -5209,7 +5344,7 @@
           <p:nvPr/>
         </p:nvPicPr>
         <p:blipFill>
-          <a:blip r:embed="rId18" cstate="print"/>
+          <a:blip r:embed="rId19" cstate="print"/>
           <a:stretch>
             <a:fillRect/>
           </a:stretch>
@@ -5315,6 +5450,7 @@
     <p:sldLayoutId id="2147483686" r:id="rId14"/>
     <p:sldLayoutId id="2147483698" r:id="rId15"/>
     <p:sldLayoutId id="2147483691" r:id="rId16"/>
+    <p:sldLayoutId id="2147483700" r:id="rId17"/>
   </p:sldLayoutIdLst>
   <p:transition xmlns:p14="http://schemas.microsoft.com/office/powerpoint/2010/main">
     <p:fade/>
@@ -5611,74 +5747,268 @@
           <a:chExt cx="0" cy="0"/>
         </a:xfrm>
       </p:grpSpPr>
+      <p:pic>
+        <p:nvPicPr>
+          <p:cNvPr id="4" name="Picture 3"/>
+          <p:cNvPicPr>
+            <a:picLocks/>
+          </p:cNvPicPr>
+          <p:nvPr/>
+        </p:nvPicPr>
+        <p:blipFill rotWithShape="1">
+          <a:blip r:embed="rId3">
+            <a:extLst>
+              <a:ext uri="{28A0092B-C50C-407E-A947-70E740481C1C}">
+                <a14:useLocalDpi xmlns:a14="http://schemas.microsoft.com/office/drawing/2010/main" val="0"/>
+              </a:ext>
+            </a:extLst>
+          </a:blip>
+          <a:srcRect t="5795" b="5795"/>
+          <a:stretch/>
+        </p:blipFill>
+        <p:spPr>
+          <a:xfrm>
+            <a:off x="-13167" y="-130747"/>
+            <a:ext cx="9170334" cy="5404994"/>
+          </a:xfrm>
+          <a:prstGeom prst="rect">
+            <a:avLst/>
+          </a:prstGeom>
+        </p:spPr>
+      </p:pic>
       <p:sp>
         <p:nvSpPr>
-          <p:cNvPr id="2" name="Title 1"/>
-          <p:cNvSpPr>
-            <a:spLocks noGrp="1"/>
-          </p:cNvSpPr>
-          <p:nvPr>
-            <p:ph type="ctrTitle"/>
-          </p:nvPr>
+          <p:cNvPr id="14" name="Shape 251"/>
+          <p:cNvSpPr/>
+          <p:nvPr/>
         </p:nvSpPr>
         <p:spPr>
           <a:xfrm>
-            <a:off x="890586" y="1659105"/>
-            <a:ext cx="7766525" cy="507831"/>
+            <a:off x="-4469" y="-130747"/>
+            <a:ext cx="9144000" cy="5404994"/>
           </a:xfrm>
+          <a:prstGeom prst="rect">
+            <a:avLst/>
+          </a:prstGeom>
+          <a:solidFill>
+            <a:srgbClr val="182730">
+              <a:alpha val="77000"/>
+            </a:srgbClr>
+          </a:solidFill>
+          <a:ln>
+            <a:noFill/>
+          </a:ln>
         </p:spPr>
         <p:txBody>
-          <a:bodyPr/>
+          <a:bodyPr lIns="91425" tIns="45700" rIns="91425" bIns="45700" anchor="ctr" anchorCtr="0">
+            <a:noAutofit/>
+          </a:bodyPr>
           <a:lstStyle/>
           <a:p>
-            <a:r>
-              <a:rPr lang="en-US" dirty="0"/>
-              <a:t>Pivotal </a:t>
-            </a:r>
-            <a:r>
-              <a:rPr lang="en-US" dirty="0" smtClean="0"/>
-              <a:t>Cloud Foundry</a:t>
-            </a:r>
-            <a:endParaRPr lang="en-US" sz="2400" b="0" i="1" dirty="0"/>
+            <a:pPr algn="ctr"/>
+            <a:endParaRPr>
+              <a:solidFill>
+                <a:srgbClr val="FFFFFF"/>
+              </a:solidFill>
+              <a:latin typeface="Arial"/>
+              <a:ea typeface="Arial"/>
+              <a:cs typeface="Arial"/>
+              <a:sym typeface="Arial"/>
+            </a:endParaRPr>
+          </a:p>
+        </p:txBody>
+      </p:sp>
+      <p:pic>
+        <p:nvPicPr>
+          <p:cNvPr id="8" name="Picture 7" descr="pivotal_white.png"/>
+          <p:cNvPicPr>
+            <a:picLocks noChangeAspect="1"/>
+          </p:cNvPicPr>
+          <p:nvPr/>
+        </p:nvPicPr>
+        <p:blipFill>
+          <a:blip r:embed="rId4">
+            <a:extLst>
+              <a:ext uri="{28A0092B-C50C-407E-A947-70E740481C1C}">
+                <a14:useLocalDpi xmlns:a14="http://schemas.microsoft.com/office/drawing/2010/main" val="0"/>
+              </a:ext>
+            </a:extLst>
+          </a:blip>
+          <a:stretch>
+            <a:fillRect/>
+          </a:stretch>
+        </p:blipFill>
+        <p:spPr>
+          <a:xfrm>
+            <a:off x="753110" y="978442"/>
+            <a:ext cx="1368554" cy="336279"/>
+          </a:xfrm>
+          <a:prstGeom prst="rect">
+            <a:avLst/>
+          </a:prstGeom>
+        </p:spPr>
+      </p:pic>
+      <p:sp>
+        <p:nvSpPr>
+          <p:cNvPr id="10" name="TextBox 9"/>
+          <p:cNvSpPr txBox="1"/>
+          <p:nvPr/>
+        </p:nvSpPr>
+        <p:spPr>
+          <a:xfrm>
+            <a:off x="623455" y="1898424"/>
+            <a:ext cx="7897090" cy="1354217"/>
+          </a:xfrm>
+          <a:prstGeom prst="rect">
+            <a:avLst/>
+          </a:prstGeom>
+          <a:noFill/>
+          <a:effectLst>
+            <a:outerShdw blurRad="63500" sx="102000" sy="102000" algn="ctr" rotWithShape="0">
+              <a:prstClr val="black">
+                <a:alpha val="40000"/>
+              </a:prstClr>
+            </a:outerShdw>
+          </a:effectLst>
+        </p:spPr>
+        <p:txBody>
+          <a:bodyPr wrap="square" rtlCol="0">
+            <a:spAutoFit/>
+          </a:bodyPr>
+          <a:lstStyle/>
+          <a:p>
+            <a:pPr>
+              <a:spcAft>
+                <a:spcPts val="1200"/>
+              </a:spcAft>
+            </a:pPr>
+            <a:r>
+              <a:rPr lang="en-US" sz="4800" dirty="0">
+                <a:solidFill>
+                  <a:srgbClr val="2C95DD"/>
+                </a:solidFill>
+              </a:rPr>
+              <a:t>Cloud Native Workshop</a:t>
+            </a:r>
+          </a:p>
+          <a:p>
+            <a:r>
+              <a:rPr lang="en-US" sz="2400" b="1" dirty="0">
+                <a:solidFill>
+                  <a:schemeClr val="bg1"/>
+                </a:solidFill>
+              </a:rPr>
+              <a:t>Introduction to Spring Data Rest</a:t>
+            </a:r>
           </a:p>
         </p:txBody>
       </p:sp>
       <p:sp>
         <p:nvSpPr>
-          <p:cNvPr id="4" name="Subtitle 3"/>
-          <p:cNvSpPr>
-            <a:spLocks noGrp="1"/>
-          </p:cNvSpPr>
-          <p:nvPr>
-            <p:ph type="subTitle" idx="1"/>
-          </p:nvPr>
+          <p:cNvPr id="11" name="TextBox 10"/>
+          <p:cNvSpPr txBox="1"/>
+          <p:nvPr/>
         </p:nvSpPr>
         <p:spPr>
           <a:xfrm>
-            <a:off x="885825" y="2633384"/>
-            <a:ext cx="6048375" cy="430887"/>
+            <a:off x="623455" y="3461916"/>
+            <a:ext cx="7897090" cy="338554"/>
           </a:xfrm>
+          <a:prstGeom prst="rect">
+            <a:avLst/>
+          </a:prstGeom>
+          <a:noFill/>
         </p:spPr>
         <p:txBody>
-          <a:bodyPr/>
+          <a:bodyPr wrap="square" rtlCol="0">
+            <a:spAutoFit/>
+          </a:bodyPr>
           <a:lstStyle/>
           <a:p>
-            <a:r>
-              <a:rPr lang="en-US" sz="2800" dirty="0" smtClean="0"/>
-              <a:t>Introduction to Spring Data Rest</a:t>
-            </a:r>
-            <a:endParaRPr lang="en-US" sz="2800" dirty="0"/>
+            <a:pPr>
+              <a:spcAft>
+                <a:spcPts val="300"/>
+              </a:spcAft>
+            </a:pPr>
+            <a:r>
+              <a:rPr lang="en-US" sz="1600" dirty="0" smtClean="0">
+                <a:solidFill>
+                  <a:srgbClr val="FFFFFF"/>
+                </a:solidFill>
+                <a:cs typeface="Arial"/>
+              </a:rPr>
+              <a:t>Pivotal Cloud Foundry</a:t>
+            </a:r>
+            <a:endParaRPr lang="en-US" sz="1600" dirty="0">
+              <a:solidFill>
+                <a:srgbClr val="FFFFFF"/>
+              </a:solidFill>
+              <a:cs typeface="Arial"/>
+            </a:endParaRPr>
           </a:p>
         </p:txBody>
       </p:sp>
+      <p:pic>
+        <p:nvPicPr>
+          <p:cNvPr id="7" name="Picture 6" descr="pivotal_teal.png"/>
+          <p:cNvPicPr>
+            <a:picLocks noChangeAspect="1"/>
+          </p:cNvPicPr>
+          <p:nvPr/>
+        </p:nvPicPr>
+        <p:blipFill>
+          <a:blip r:embed="rId5">
+            <a:lum bright="70000" contrast="-70000"/>
+            <a:extLst>
+              <a:ext uri="{BEBA8EAE-BF5A-486C-A8C5-ECC9F3942E4B}">
+                <a14:imgProps xmlns:a14="http://schemas.microsoft.com/office/drawing/2010/main">
+                  <a14:imgLayer r:embed="rId6">
+                    <a14:imgEffect>
+                      <a14:colorTemperature colorTemp="11500"/>
+                    </a14:imgEffect>
+                    <a14:imgEffect>
+                      <a14:saturation sat="0"/>
+                    </a14:imgEffect>
+                  </a14:imgLayer>
+                </a14:imgProps>
+              </a:ext>
+              <a:ext uri="{28A0092B-C50C-407E-A947-70E740481C1C}">
+                <a14:useLocalDpi xmlns:a14="http://schemas.microsoft.com/office/drawing/2010/main" val="0"/>
+              </a:ext>
+            </a:extLst>
+          </a:blip>
+          <a:stretch>
+            <a:fillRect/>
+          </a:stretch>
+        </p:blipFill>
+        <p:spPr>
+          <a:xfrm>
+            <a:off x="8272780" y="4855076"/>
+            <a:ext cx="731520" cy="171298"/>
+          </a:xfrm>
+          <a:prstGeom prst="rect">
+            <a:avLst/>
+          </a:prstGeom>
+        </p:spPr>
+      </p:pic>
     </p:spTree>
+    <p:extLst>
+      <p:ext uri="{BB962C8B-B14F-4D97-AF65-F5344CB8AC3E}">
+        <p14:creationId xmlns:p14="http://schemas.microsoft.com/office/powerpoint/2010/main" val="3398577708"/>
+      </p:ext>
+    </p:extLst>
   </p:cSld>
   <p:clrMapOvr>
     <a:masterClrMapping/>
   </p:clrMapOvr>
-  <p:transition xmlns:p14="http://schemas.microsoft.com/office/powerpoint/2010/main">
-    <p:fade/>
-  </p:transition>
+  <mc:AlternateContent xmlns:mc="http://schemas.openxmlformats.org/markup-compatibility/2006" xmlns:p14="http://schemas.microsoft.com/office/powerpoint/2010/main">
+    <mc:Choice Requires="p14">
+      <p:transition p14:dur="0"/>
+    </mc:Choice>
+    <mc:Fallback xmlns="">
+      <p:transition xmlns:p14="http://schemas.microsoft.com/office/powerpoint/2010/main"/>
+    </mc:Fallback>
+  </mc:AlternateContent>
   <p:timing>
     <p:tnLst>
       <p:par>
